--- a/CommCareHQAPI/apis.pptx
+++ b/CommCareHQAPI/apis.pptx
@@ -5,16 +5,15 @@
     <p:sldMasterId id="2147483648" r:id="rId1"/>
   </p:sldMasterIdLst>
   <p:notesMasterIdLst>
-    <p:notesMasterId r:id="rId6"/>
+    <p:notesMasterId r:id="rId5"/>
   </p:notesMasterIdLst>
   <p:handoutMasterIdLst>
-    <p:handoutMasterId r:id="rId7"/>
+    <p:handoutMasterId r:id="rId6"/>
   </p:handoutMasterIdLst>
   <p:sldIdLst>
     <p:sldId id="258" r:id="rId2"/>
-    <p:sldId id="259" r:id="rId3"/>
-    <p:sldId id="260" r:id="rId4"/>
-    <p:sldId id="262" r:id="rId5"/>
+    <p:sldId id="260" r:id="rId3"/>
+    <p:sldId id="262" r:id="rId4"/>
   </p:sldIdLst>
   <p:sldSz cx="9144000" cy="6858000" type="screen4x3"/>
   <p:notesSz cx="6858000" cy="9296400"/>
@@ -1006,7 +1005,7 @@
               <a:pPr>
                 <a:defRPr/>
               </a:pPr>
-              <a:t>2</a:t>
+              <a:t>1</a:t>
             </a:fld>
             <a:endParaRPr lang="en-US"/>
           </a:p>
@@ -2560,10 +2559,16 @@
           <a:p>
             <a:pPr algn="ctr"/>
             <a:r>
+              <a:rPr lang="en-US" sz="4300" dirty="0" err="1" smtClean="0">
+                <a:ea typeface="ＭＳ Ｐゴシック" pitchFamily="34" charset="-128"/>
+              </a:rPr>
+              <a:t>CommCareHQ</a:t>
+            </a:r>
+            <a:r>
               <a:rPr lang="en-US" sz="4300" dirty="0" smtClean="0">
                 <a:ea typeface="ＭＳ Ｐゴシック" pitchFamily="34" charset="-128"/>
               </a:rPr>
-              <a:t>GPS</a:t>
+              <a:t> APIs</a:t>
             </a:r>
             <a:endParaRPr lang="en-US" sz="4600" dirty="0">
               <a:ea typeface="ＭＳ Ｐゴシック" pitchFamily="34" charset="-128"/>
@@ -2587,64 +2592,6 @@
 </file>
 
 <file path=ppt/slides/slide2.xml><?xml version="1.0" encoding="utf-8"?>
-<p:sld xmlns:a="http://schemas.openxmlformats.org/drawingml/2006/main" xmlns:r="http://schemas.openxmlformats.org/officeDocument/2006/relationships" xmlns:p="http://schemas.openxmlformats.org/presentationml/2006/main">
-  <p:cSld>
-    <p:spTree>
-      <p:nvGrpSpPr>
-        <p:cNvPr id="1" name=""/>
-        <p:cNvGrpSpPr/>
-        <p:nvPr/>
-      </p:nvGrpSpPr>
-      <p:grpSpPr>
-        <a:xfrm>
-          <a:off x="0" y="0"/>
-          <a:ext cx="0" cy="0"/>
-          <a:chOff x="0" y="0"/>
-          <a:chExt cx="0" cy="0"/>
-        </a:xfrm>
-      </p:grpSpPr>
-      <p:sp>
-        <p:nvSpPr>
-          <p:cNvPr id="2" name="Title 1"/>
-          <p:cNvSpPr>
-            <a:spLocks noGrp="1"/>
-          </p:cNvSpPr>
-          <p:nvPr>
-            <p:ph type="title"/>
-          </p:nvPr>
-        </p:nvSpPr>
-        <p:spPr>
-          <a:xfrm>
-            <a:off x="457200" y="3176336"/>
-            <a:ext cx="8229600" cy="457200"/>
-          </a:xfrm>
-        </p:spPr>
-        <p:txBody>
-          <a:bodyPr/>
-          <a:lstStyle/>
-          <a:p>
-            <a:r>
-              <a:rPr lang="en-US" dirty="0" smtClean="0"/>
-              <a:t>How can GPS be integrated into your app?</a:t>
-            </a:r>
-            <a:endParaRPr lang="en-US" dirty="0"/>
-          </a:p>
-        </p:txBody>
-      </p:sp>
-    </p:spTree>
-    <p:extLst>
-      <p:ext uri="{BB962C8B-B14F-4D97-AF65-F5344CB8AC3E}">
-        <p14:creationId xmlns:p14="http://schemas.microsoft.com/office/powerpoint/2010/main" val="1864348527"/>
-      </p:ext>
-    </p:extLst>
-  </p:cSld>
-  <p:clrMapOvr>
-    <a:masterClrMapping/>
-  </p:clrMapOvr>
-</p:sld>
-</file>
-
-<file path=ppt/slides/slide3.xml><?xml version="1.0" encoding="utf-8"?>
 <p:sld xmlns:a="http://schemas.openxmlformats.org/drawingml/2006/main" xmlns:r="http://schemas.openxmlformats.org/officeDocument/2006/relationships" xmlns:p="http://schemas.openxmlformats.org/presentationml/2006/main">
   <p:cSld>
     <p:spTree>
@@ -2910,7 +2857,7 @@
         <p:spPr>
           <a:xfrm>
             <a:off x="371183" y="1006188"/>
-            <a:ext cx="3716082" cy="400110"/>
+            <a:ext cx="2106667" cy="400110"/>
           </a:xfrm>
           <a:prstGeom prst="rect">
             <a:avLst/>
@@ -2924,8 +2871,12 @@
           <a:lstStyle/>
           <a:p>
             <a:r>
+              <a:rPr lang="en-US" sz="2000" smtClean="0"/>
+              <a:t>Easy </a:t>
+            </a:r>
+            <a:r>
               <a:rPr lang="en-US" sz="2000" dirty="0" smtClean="0"/>
-              <a:t>Automatically before each form</a:t>
+              <a:t>to integrate</a:t>
             </a:r>
             <a:endParaRPr lang="en-US" sz="2000" dirty="0"/>
           </a:p>
@@ -2940,7 +2891,7 @@
         <p:spPr>
           <a:xfrm>
             <a:off x="371183" y="2434388"/>
-            <a:ext cx="4243469" cy="400110"/>
+            <a:ext cx="1071127" cy="400110"/>
           </a:xfrm>
           <a:prstGeom prst="rect">
             <a:avLst/>
@@ -2955,7 +2906,7 @@
           <a:p>
             <a:r>
               <a:rPr lang="en-US" sz="2000" dirty="0" smtClean="0"/>
-              <a:t>Automatically before selected forms</a:t>
+              <a:t>Flexible</a:t>
             </a:r>
             <a:endParaRPr lang="en-US" sz="2000" dirty="0"/>
           </a:p>
@@ -3205,7 +3156,7 @@
 </p:sld>
 </file>
 
-<file path=ppt/slides/slide4.xml><?xml version="1.0" encoding="utf-8"?>
+<file path=ppt/slides/slide3.xml><?xml version="1.0" encoding="utf-8"?>
 <p:sld xmlns:a="http://schemas.openxmlformats.org/drawingml/2006/main" xmlns:r="http://schemas.openxmlformats.org/officeDocument/2006/relationships" xmlns:p="http://schemas.openxmlformats.org/presentationml/2006/main">
   <p:cSld>
     <p:spTree>
